--- a/PA/y9acting/Lesson 6 YC - Marcus meets his victim.pptx
+++ b/PA/y9acting/Lesson 6 YC - Marcus meets his victim.pptx
@@ -11231,7 +11231,7 @@
           </a:effectLst>
           <a:extLst>
             <a:ext uri="{91240B29-F687-4f45-9708-019B960494DF}">
-              <a14:hiddenLine xmlns:a14="http://schemas.microsoft.com/office/drawing/2010/main" xmlns="" w="9525">
+              <a14:hiddenLine xmlns="" xmlns:a14="http://schemas.microsoft.com/office/drawing/2010/main" w="9525">
                 <a:solidFill>
                   <a:schemeClr val="tx1"/>
                 </a:solidFill>
@@ -11241,7 +11241,7 @@
               </a14:hiddenLine>
             </a:ext>
             <a:ext uri="{AF507438-7753-43e0-B8FC-AC1667EBCBE1}">
-              <a14:hiddenEffects xmlns:a14="http://schemas.microsoft.com/office/drawing/2010/main" xmlns="">
+              <a14:hiddenEffects xmlns="" xmlns:a14="http://schemas.microsoft.com/office/drawing/2010/main">
                 <a:effectLst>
                   <a:outerShdw dist="35921" dir="2700000" algn="ctr" rotWithShape="0">
                     <a:schemeClr val="bg2"/>
@@ -11379,7 +11379,7 @@
           </a:effectLst>
           <a:extLst>
             <a:ext uri="{91240B29-F687-4f45-9708-019B960494DF}">
-              <a14:hiddenLine xmlns:a14="http://schemas.microsoft.com/office/drawing/2010/main" xmlns="" w="9525">
+              <a14:hiddenLine xmlns="" xmlns:a14="http://schemas.microsoft.com/office/drawing/2010/main" w="9525">
                 <a:solidFill>
                   <a:schemeClr val="tx1"/>
                 </a:solidFill>
@@ -11389,7 +11389,7 @@
               </a14:hiddenLine>
             </a:ext>
             <a:ext uri="{AF507438-7753-43e0-B8FC-AC1667EBCBE1}">
-              <a14:hiddenEffects xmlns:a14="http://schemas.microsoft.com/office/drawing/2010/main" xmlns="">
+              <a14:hiddenEffects xmlns="" xmlns:a14="http://schemas.microsoft.com/office/drawing/2010/main">
                 <a:effectLst>
                   <a:outerShdw dist="35921" dir="2700000" algn="ctr" rotWithShape="0">
                     <a:schemeClr val="bg2"/>
@@ -11632,7 +11632,7 @@
           </a:effectLst>
           <a:extLst>
             <a:ext uri="{909E8E84-426E-40dd-AFC4-6F175D3DCCD1}">
-              <a14:hiddenFill xmlns:a14="http://schemas.microsoft.com/office/drawing/2010/main" xmlns="">
+              <a14:hiddenFill xmlns="" xmlns:a14="http://schemas.microsoft.com/office/drawing/2010/main">
                 <a:solidFill>
                   <a:srgbClr val="FFFFFF"/>
                 </a:solidFill>
@@ -11804,7 +11804,7 @@
           <a:noFill/>
           <a:extLst>
             <a:ext uri="{909E8E84-426E-40dd-AFC4-6F175D3DCCD1}">
-              <a14:hiddenFill xmlns:a14="http://schemas.microsoft.com/office/drawing/2010/main" xmlns="">
+              <a14:hiddenFill xmlns="" xmlns:a14="http://schemas.microsoft.com/office/drawing/2010/main">
                 <a:solidFill>
                   <a:srgbClr val="FFFFFF"/>
                 </a:solidFill>
@@ -12296,7 +12296,7 @@
           </a:effectLst>
           <a:extLst>
             <a:ext uri="{91240B29-F687-4f45-9708-019B960494DF}">
-              <a14:hiddenLine xmlns:a14="http://schemas.microsoft.com/office/drawing/2010/main" xmlns="" w="9525">
+              <a14:hiddenLine xmlns="" xmlns:a14="http://schemas.microsoft.com/office/drawing/2010/main" w="9525">
                 <a:solidFill>
                   <a:schemeClr val="tx1"/>
                 </a:solidFill>
@@ -12306,7 +12306,7 @@
               </a14:hiddenLine>
             </a:ext>
             <a:ext uri="{AF507438-7753-43e0-B8FC-AC1667EBCBE1}">
-              <a14:hiddenEffects xmlns:a14="http://schemas.microsoft.com/office/drawing/2010/main" xmlns="">
+              <a14:hiddenEffects xmlns="" xmlns:a14="http://schemas.microsoft.com/office/drawing/2010/main">
                 <a:effectLst>
                   <a:outerShdw dist="35921" dir="2700000" algn="ctr" rotWithShape="0">
                     <a:schemeClr val="bg2"/>
@@ -12543,7 +12543,7 @@
           <a:noFill/>
           <a:extLst>
             <a:ext uri="{909E8E84-426E-40dd-AFC4-6F175D3DCCD1}">
-              <a14:hiddenFill xmlns:a14="http://schemas.microsoft.com/office/drawing/2010/main" xmlns="">
+              <a14:hiddenFill xmlns="" xmlns:a14="http://schemas.microsoft.com/office/drawing/2010/main">
                 <a:solidFill>
                   <a:srgbClr val="FFFFFF"/>
                 </a:solidFill>
@@ -12733,7 +12733,7 @@
           <a:noFill/>
           <a:extLst>
             <a:ext uri="{909E8E84-426E-40dd-AFC4-6F175D3DCCD1}">
-              <a14:hiddenFill xmlns:a14="http://schemas.microsoft.com/office/drawing/2010/main" xmlns="">
+              <a14:hiddenFill xmlns="" xmlns:a14="http://schemas.microsoft.com/office/drawing/2010/main">
                 <a:solidFill>
                   <a:srgbClr val="FFFFFF"/>
                 </a:solidFill>
@@ -13246,7 +13246,7 @@
           </a:effectLst>
           <a:extLst>
             <a:ext uri="{91240B29-F687-4f45-9708-019B960494DF}">
-              <a14:hiddenLine xmlns:a14="http://schemas.microsoft.com/office/drawing/2010/main" xmlns="" w="9525">
+              <a14:hiddenLine xmlns="" xmlns:a14="http://schemas.microsoft.com/office/drawing/2010/main" w="9525">
                 <a:solidFill>
                   <a:schemeClr val="tx1"/>
                 </a:solidFill>
@@ -13256,7 +13256,7 @@
               </a14:hiddenLine>
             </a:ext>
             <a:ext uri="{AF507438-7753-43e0-B8FC-AC1667EBCBE1}">
-              <a14:hiddenEffects xmlns:a14="http://schemas.microsoft.com/office/drawing/2010/main" xmlns="">
+              <a14:hiddenEffects xmlns="" xmlns:a14="http://schemas.microsoft.com/office/drawing/2010/main">
                 <a:effectLst>
                   <a:outerShdw dist="35921" dir="2700000" algn="ctr" rotWithShape="0">
                     <a:schemeClr val="bg2"/>
@@ -13478,7 +13478,7 @@
           <a:noFill/>
           <a:extLst>
             <a:ext uri="{909E8E84-426E-40dd-AFC4-6F175D3DCCD1}">
-              <a14:hiddenFill xmlns:a14="http://schemas.microsoft.com/office/drawing/2010/main" xmlns="">
+              <a14:hiddenFill xmlns="" xmlns:a14="http://schemas.microsoft.com/office/drawing/2010/main">
                 <a:solidFill>
                   <a:srgbClr val="FFFFFF"/>
                 </a:solidFill>
@@ -13543,7 +13543,11 @@
           <a:p>
             <a:r>
               <a:rPr lang="en-GB" sz="6600" dirty="0" smtClean="0"/>
-              <a:t>WALT:</a:t>
+              <a:t>Lesson Objectives</a:t>
+            </a:r>
+            <a:r>
+              <a:rPr lang="en-GB" sz="6600" dirty="0" smtClean="0"/>
+              <a:t>:</a:t>
             </a:r>
             <a:endParaRPr lang="en-GB" sz="6600" dirty="0"/>
           </a:p>
@@ -13758,7 +13762,7 @@
           </a:effectLst>
           <a:extLst>
             <a:ext uri="{91240B29-F687-4f45-9708-019B960494DF}">
-              <a14:hiddenLine xmlns:a14="http://schemas.microsoft.com/office/drawing/2010/main" xmlns="" w="9525">
+              <a14:hiddenLine xmlns="" xmlns:a14="http://schemas.microsoft.com/office/drawing/2010/main" w="9525">
                 <a:solidFill>
                   <a:schemeClr val="tx1"/>
                 </a:solidFill>
@@ -13768,7 +13772,7 @@
               </a14:hiddenLine>
             </a:ext>
             <a:ext uri="{AF507438-7753-43e0-B8FC-AC1667EBCBE1}">
-              <a14:hiddenEffects xmlns:a14="http://schemas.microsoft.com/office/drawing/2010/main" xmlns="">
+              <a14:hiddenEffects xmlns="" xmlns:a14="http://schemas.microsoft.com/office/drawing/2010/main">
                 <a:effectLst>
                   <a:outerShdw dist="35921" dir="2700000" algn="ctr" rotWithShape="0">
                     <a:schemeClr val="bg2"/>
@@ -13925,7 +13929,7 @@
           </a:effectLst>
           <a:extLst>
             <a:ext uri="{909E8E84-426E-40dd-AFC4-6F175D3DCCD1}">
-              <a14:hiddenFill xmlns:a14="http://schemas.microsoft.com/office/drawing/2010/main" xmlns="">
+              <a14:hiddenFill xmlns="" xmlns:a14="http://schemas.microsoft.com/office/drawing/2010/main">
                 <a:solidFill>
                   <a:srgbClr val="FFFFFF"/>
                 </a:solidFill>
@@ -14308,7 +14312,11 @@
           <a:p>
             <a:r>
               <a:rPr lang="en-GB" sz="7200" smtClean="0"/>
-              <a:t>WILF:</a:t>
+              <a:t>Lesson Outcomes</a:t>
+            </a:r>
+            <a:r>
+              <a:rPr lang="en-GB" sz="7200" smtClean="0"/>
+              <a:t>:</a:t>
             </a:r>
             <a:endParaRPr lang="en-GB" sz="7200" dirty="0"/>
           </a:p>
@@ -14433,7 +14441,7 @@
         </p:nvSpPr>
         <p:spPr>
           <a:xfrm>
-            <a:off x="179512" y="274638"/>
+            <a:off x="228599" y="260648"/>
             <a:ext cx="8686800" cy="1143000"/>
           </a:xfrm>
         </p:spPr>
@@ -14451,14 +14459,6 @@
             <a:br>
               <a:rPr lang="en-GB" sz="4400" dirty="0" smtClean="0"/>
             </a:br>
-            <a:r>
-              <a:rPr lang="en-GB" sz="4400" dirty="0" smtClean="0">
-                <a:solidFill>
-                  <a:srgbClr val="FF0000"/>
-                </a:solidFill>
-              </a:rPr>
-              <a:t>ADD LEVELS and DIFFERENTIATION </a:t>
-            </a:r>
             <a:endParaRPr lang="en-GB" sz="4400" dirty="0">
               <a:solidFill>
                 <a:srgbClr val="FF0000"/>
@@ -14467,68 +14467,32 @@
           </a:p>
         </p:txBody>
       </p:sp>
-      <p:sp>
-        <p:nvSpPr>
-          <p:cNvPr id="3" name="Content Placeholder 2"/>
-          <p:cNvSpPr>
-            <a:spLocks noGrp="1"/>
-          </p:cNvSpPr>
+      <p:pic>
+        <p:nvPicPr>
+          <p:cNvPr id="4" name="Content Placeholder 3"/>
+          <p:cNvPicPr>
+            <a:picLocks noGrp="1" noChangeAspect="1"/>
+          </p:cNvPicPr>
           <p:nvPr>
             <p:ph idx="1"/>
           </p:nvPr>
-        </p:nvSpPr>
+        </p:nvPicPr>
+        <p:blipFill>
+          <a:blip r:embed="rId2"/>
+          <a:stretch>
+            <a:fillRect/>
+          </a:stretch>
+        </p:blipFill>
         <p:spPr>
           <a:xfrm>
-            <a:off x="457200" y="1600200"/>
-            <a:ext cx="8229600" cy="5069160"/>
+            <a:off x="395536" y="832147"/>
+            <a:ext cx="8352928" cy="5590629"/>
           </a:xfrm>
+          <a:prstGeom prst="rect">
+            <a:avLst/>
+          </a:prstGeom>
         </p:spPr>
-        <p:txBody>
-          <a:bodyPr>
-            <a:normAutofit lnSpcReduction="10000"/>
-          </a:bodyPr>
-          <a:lstStyle/>
-          <a:p>
-            <a:r>
-              <a:rPr lang="en-GB" sz="2800" b="1" dirty="0" smtClean="0"/>
-              <a:t>I will stay in role during tasks/activities/performances. </a:t>
-            </a:r>
-          </a:p>
-          <a:p>
-            <a:endParaRPr lang="en-GB" sz="2800" b="1" dirty="0"/>
-          </a:p>
-          <a:p>
-            <a:r>
-              <a:rPr lang="en-GB" sz="2800" b="1" dirty="0" smtClean="0"/>
-              <a:t>I will perform a character different to myself during </a:t>
-            </a:r>
-            <a:r>
-              <a:rPr lang="en-GB" sz="2800" b="1" dirty="0"/>
-              <a:t>tasks/activities/performances. </a:t>
-            </a:r>
-            <a:endParaRPr lang="en-GB" sz="2800" b="1" dirty="0" smtClean="0"/>
-          </a:p>
-          <a:p>
-            <a:endParaRPr lang="en-GB" sz="2800" b="1" dirty="0"/>
-          </a:p>
-          <a:p>
-            <a:r>
-              <a:rPr lang="en-GB" sz="2800" b="1" dirty="0" smtClean="0"/>
-              <a:t>I will confidently use drama techniques (thought tracking/still image) during my exploration.</a:t>
-            </a:r>
-          </a:p>
-          <a:p>
-            <a:endParaRPr lang="en-GB" sz="2800" b="1" dirty="0"/>
-          </a:p>
-          <a:p>
-            <a:r>
-              <a:rPr lang="en-GB" sz="2800" b="1" dirty="0" smtClean="0"/>
-              <a:t>I will use P.E.E.E.E.E. when evaluating my own work and the work of my peers.</a:t>
-            </a:r>
-            <a:endParaRPr lang="en-GB" sz="2800" b="1" dirty="0"/>
-          </a:p>
-        </p:txBody>
-      </p:sp>
+      </p:pic>
     </p:spTree>
     <p:extLst>
       <p:ext uri="{BB962C8B-B14F-4D97-AF65-F5344CB8AC3E}">
@@ -14662,7 +14626,7 @@
           </a:effectLst>
           <a:extLst>
             <a:ext uri="{91240B29-F687-4f45-9708-019B960494DF}">
-              <a14:hiddenLine xmlns:a14="http://schemas.microsoft.com/office/drawing/2010/main" xmlns="" w="9525">
+              <a14:hiddenLine xmlns="" xmlns:a14="http://schemas.microsoft.com/office/drawing/2010/main" w="9525">
                 <a:solidFill>
                   <a:schemeClr val="tx1"/>
                 </a:solidFill>
@@ -14672,7 +14636,7 @@
               </a14:hiddenLine>
             </a:ext>
             <a:ext uri="{AF507438-7753-43e0-B8FC-AC1667EBCBE1}">
-              <a14:hiddenEffects xmlns:a14="http://schemas.microsoft.com/office/drawing/2010/main" xmlns="">
+              <a14:hiddenEffects xmlns="" xmlns:a14="http://schemas.microsoft.com/office/drawing/2010/main">
                 <a:effectLst>
                   <a:outerShdw dist="35921" dir="2700000" algn="ctr" rotWithShape="0">
                     <a:schemeClr val="bg2"/>
